--- a/presentation/data607-finalproject.pptx
+++ b/presentation/data607-finalproject.pptx
@@ -104,6 +104,11 @@
       </a:defRPr>
     </a:lvl9pPr>
   </p:defaultTextStyle>
+  <p:extLst>
+    <p:ext uri="{EFAFB233-063F-42B5-8137-9DF3F51BA10A}">
+      <p15:sldGuideLst xmlns:p15="http://schemas.microsoft.com/office/powerpoint/2012/main"/>
+    </p:ext>
+  </p:extLst>
 </p:presentation>
 </file>
 
@@ -3421,7 +3426,7 @@
 </file>
 
 <file path=ppt/slideLayouts/slideLayout2.xml><?xml version="1.0" encoding="utf-8"?>
-<p:sldLayout xmlns:a="http://schemas.openxmlformats.org/drawingml/2006/main" xmlns:r="http://schemas.openxmlformats.org/officeDocument/2006/relationships" xmlns:p="http://schemas.openxmlformats.org/presentationml/2006/main" type="obj" preserve="1">
+<p:sldLayout xmlns:a="http://schemas.openxmlformats.org/drawingml/2006/main" xmlns:r="http://schemas.openxmlformats.org/officeDocument/2006/relationships" xmlns:p="http://schemas.openxmlformats.org/presentationml/2006/main" preserve="1" userDrawn="1">
   <p:cSld name="Title and Content">
     <p:spTree>
       <p:nvGrpSpPr>
@@ -3469,29 +3474,6 @@
       </p:pic>
       <p:sp>
         <p:nvSpPr>
-          <p:cNvPr id="2" name="Title 1"/>
-          <p:cNvSpPr>
-            <a:spLocks noGrp="1"/>
-          </p:cNvSpPr>
-          <p:nvPr>
-            <p:ph type="title"/>
-          </p:nvPr>
-        </p:nvSpPr>
-        <p:spPr/>
-        <p:txBody>
-          <a:bodyPr/>
-          <a:lstStyle/>
-          <a:p>
-            <a:r>
-              <a:rPr lang="en-US"/>
-              <a:t>Click to edit Master title style</a:t>
-            </a:r>
-            <a:endParaRPr lang="en-US" dirty="0"/>
-          </a:p>
-        </p:txBody>
-      </p:sp>
-      <p:sp>
-        <p:nvSpPr>
           <p:cNvPr id="12" name="Content Placeholder 2"/>
           <p:cNvSpPr>
             <a:spLocks noGrp="1"/>
@@ -3549,12 +3531,18 @@
       </p:sp>
       <p:sp>
         <p:nvSpPr>
-          <p:cNvPr id="4" name="Date Placeholder 3"/>
-          <p:cNvSpPr>
-            <a:spLocks noGrp="1"/>
-          </p:cNvSpPr>
-          <p:nvPr>
-            <p:ph type="dt" sz="half" idx="10"/>
+          <p:cNvPr id="8" name="Title 7">
+            <a:extLst>
+              <a:ext uri="{FF2B5EF4-FFF2-40B4-BE49-F238E27FC236}">
+                <a16:creationId xmlns:a16="http://schemas.microsoft.com/office/drawing/2014/main" id="{5ED30882-DACC-AA46-8FCE-791D7772B9E6}"/>
+              </a:ext>
+            </a:extLst>
+          </p:cNvPr>
+          <p:cNvSpPr>
+            <a:spLocks noGrp="1"/>
+          </p:cNvSpPr>
+          <p:nvPr>
+            <p:ph type="title"/>
           </p:nvPr>
         </p:nvSpPr>
         <p:spPr/>
@@ -3562,8 +3550,37 @@
           <a:bodyPr/>
           <a:lstStyle/>
           <a:p>
+            <a:r>
+              <a:rPr lang="en-US"/>
+              <a:t>Click to edit Master title style</a:t>
+            </a:r>
+          </a:p>
+        </p:txBody>
+      </p:sp>
+      <p:sp>
+        <p:nvSpPr>
+          <p:cNvPr id="9" name="Date Placeholder 8">
+            <a:extLst>
+              <a:ext uri="{FF2B5EF4-FFF2-40B4-BE49-F238E27FC236}">
+                <a16:creationId xmlns:a16="http://schemas.microsoft.com/office/drawing/2014/main" id="{F3B75E3C-6E21-714F-AB7A-519F0E00FB2D}"/>
+              </a:ext>
+            </a:extLst>
+          </p:cNvPr>
+          <p:cNvSpPr>
+            <a:spLocks noGrp="1"/>
+          </p:cNvSpPr>
+          <p:nvPr>
+            <p:ph type="dt" sz="half" idx="14"/>
+          </p:nvPr>
+        </p:nvSpPr>
+        <p:spPr/>
+        <p:txBody>
+          <a:bodyPr/>
+          <a:lstStyle/>
+          <a:p>
             <a:fld id="{48A87A34-81AB-432B-8DAE-1953F412C126}" type="datetimeFigureOut">
-              <a:rPr lang="en-US" dirty="0"/>
+              <a:rPr lang="en-US" smtClean="0"/>
+              <a:pPr/>
               <a:t>11/29/22</a:t>
             </a:fld>
             <a:endParaRPr lang="en-US" dirty="0"/>
@@ -3572,12 +3589,18 @@
       </p:sp>
       <p:sp>
         <p:nvSpPr>
-          <p:cNvPr id="5" name="Footer Placeholder 4"/>
-          <p:cNvSpPr>
-            <a:spLocks noGrp="1"/>
-          </p:cNvSpPr>
-          <p:nvPr>
-            <p:ph type="ftr" sz="quarter" idx="11"/>
+          <p:cNvPr id="10" name="Footer Placeholder 9">
+            <a:extLst>
+              <a:ext uri="{FF2B5EF4-FFF2-40B4-BE49-F238E27FC236}">
+                <a16:creationId xmlns:a16="http://schemas.microsoft.com/office/drawing/2014/main" id="{189F0140-F070-3544-94B8-F186900C9B42}"/>
+              </a:ext>
+            </a:extLst>
+          </p:cNvPr>
+          <p:cNvSpPr>
+            <a:spLocks noGrp="1"/>
+          </p:cNvSpPr>
+          <p:nvPr>
+            <p:ph type="ftr" sz="quarter" idx="15"/>
           </p:nvPr>
         </p:nvSpPr>
         <p:spPr/>
@@ -3591,12 +3614,18 @@
       </p:sp>
       <p:sp>
         <p:nvSpPr>
-          <p:cNvPr id="6" name="Slide Number Placeholder 5"/>
-          <p:cNvSpPr>
-            <a:spLocks noGrp="1"/>
-          </p:cNvSpPr>
-          <p:nvPr>
-            <p:ph type="sldNum" sz="quarter" idx="12"/>
+          <p:cNvPr id="11" name="Slide Number Placeholder 10">
+            <a:extLst>
+              <a:ext uri="{FF2B5EF4-FFF2-40B4-BE49-F238E27FC236}">
+                <a16:creationId xmlns:a16="http://schemas.microsoft.com/office/drawing/2014/main" id="{6D35FB28-940F-C645-9A60-ADAC0267B13B}"/>
+              </a:ext>
+            </a:extLst>
+          </p:cNvPr>
+          <p:cNvSpPr>
+            <a:spLocks noGrp="1"/>
+          </p:cNvSpPr>
+          <p:nvPr>
+            <p:ph type="sldNum" sz="quarter" idx="16"/>
           </p:nvPr>
         </p:nvSpPr>
         <p:spPr/>
@@ -3605,7 +3634,8 @@
           <a:lstStyle/>
           <a:p>
             <a:fld id="{6D22F896-40B5-4ADD-8801-0D06FADFA095}" type="slidenum">
-              <a:rPr lang="en-US" dirty="0"/>
+              <a:rPr lang="en-US" smtClean="0"/>
+              <a:pPr/>
               <a:t>‹#›</a:t>
             </a:fld>
             <a:endParaRPr lang="en-US" dirty="0"/>
@@ -5501,10 +5531,9 @@
           <a:lstStyle/>
           <a:p>
             <a:r>
-              <a:rPr lang="en-US"/>
+              <a:rPr lang="en-US" dirty="0"/>
               <a:t>Click to edit Master title style</a:t>
             </a:r>
-            <a:endParaRPr lang="en-US" dirty="0"/>
           </a:p>
         </p:txBody>
       </p:sp>
@@ -5542,31 +5571,30 @@
           <a:p>
             <a:pPr lvl="1"/>
             <a:r>
-              <a:rPr lang="en-US"/>
+              <a:rPr lang="en-US" dirty="0"/>
               <a:t>Second level</a:t>
             </a:r>
           </a:p>
           <a:p>
             <a:pPr lvl="2"/>
             <a:r>
-              <a:rPr lang="en-US"/>
+              <a:rPr lang="en-US" dirty="0"/>
               <a:t>Third level</a:t>
             </a:r>
           </a:p>
           <a:p>
             <a:pPr lvl="3"/>
             <a:r>
-              <a:rPr lang="en-US"/>
+              <a:rPr lang="en-US" dirty="0"/>
               <a:t>Fourth level</a:t>
             </a:r>
           </a:p>
           <a:p>
             <a:pPr lvl="4"/>
             <a:r>
-              <a:rPr lang="en-US"/>
+              <a:rPr lang="en-US" dirty="0"/>
               <a:t>Fifth level</a:t>
             </a:r>
-            <a:endParaRPr lang="en-US" dirty="0"/>
           </a:p>
         </p:txBody>
       </p:sp>
@@ -6065,7 +6093,7 @@
           <a:bodyPr/>
           <a:lstStyle/>
           <a:p>
-            <a:endParaRPr lang="en-US"/>
+            <a:endParaRPr lang="en-US" dirty="0"/>
           </a:p>
         </p:txBody>
       </p:sp>
@@ -6090,7 +6118,7 @@
           <a:bodyPr/>
           <a:lstStyle/>
           <a:p>
-            <a:endParaRPr lang="en-US"/>
+            <a:endParaRPr lang="en-US" dirty="0"/>
           </a:p>
         </p:txBody>
       </p:sp>
@@ -6148,47 +6176,12 @@
         <a:srgbClr val="97C5E3"/>
       </a:folHlink>
     </a:clrScheme>
-    <a:fontScheme name="Droplet">
+    <a:fontScheme name="Calibri">
       <a:majorFont>
-        <a:latin typeface="Tw Cen MT" panose="020B0602020104020603"/>
+        <a:latin typeface="Calibri" panose="020F0502020204030204"/>
         <a:ea typeface=""/>
         <a:cs typeface=""/>
-        <a:font script="Jpan" typeface="ＭＳ Ｐゴシック"/>
-        <a:font script="Hang" typeface="맑은 고딕"/>
-        <a:font script="Hans" typeface="宋体"/>
-        <a:font script="Hant" typeface="新細明體"/>
-        <a:font script="Arab" typeface="Times New Roman"/>
-        <a:font script="Hebr" typeface="Times New Roman"/>
-        <a:font script="Thai" typeface="Angsana New"/>
-        <a:font script="Ethi" typeface="Nyala"/>
-        <a:font script="Beng" typeface="Vrinda"/>
-        <a:font script="Gujr" typeface="Shruti"/>
-        <a:font script="Khmr" typeface="MoolBoran"/>
-        <a:font script="Knda" typeface="Tunga"/>
-        <a:font script="Guru" typeface="Raavi"/>
-        <a:font script="Cans" typeface="Euphemia"/>
-        <a:font script="Cher" typeface="Plantagenet Cherokee"/>
-        <a:font script="Yiii" typeface="Microsoft Yi Baiti"/>
-        <a:font script="Tibt" typeface="Microsoft Himalaya"/>
-        <a:font script="Thaa" typeface="MV Boli"/>
-        <a:font script="Deva" typeface="Mangal"/>
-        <a:font script="Telu" typeface="Gautami"/>
-        <a:font script="Taml" typeface="Latha"/>
-        <a:font script="Syrc" typeface="Estrangelo Edessa"/>
-        <a:font script="Orya" typeface="Kalinga"/>
-        <a:font script="Mlym" typeface="Kartika"/>
-        <a:font script="Laoo" typeface="DokChampa"/>
-        <a:font script="Sinh" typeface="Iskoola Pota"/>
-        <a:font script="Mong" typeface="Mongolian Baiti"/>
-        <a:font script="Viet" typeface="Times New Roman"/>
-        <a:font script="Uigh" typeface="Microsoft Uighur"/>
-        <a:font script="Geor" typeface="Sylfaen"/>
-      </a:majorFont>
-      <a:minorFont>
-        <a:latin typeface="Tw Cen MT" panose="020B0602020104020603"/>
-        <a:ea typeface=""/>
-        <a:cs typeface=""/>
-        <a:font script="Jpan" typeface="ＭＳ Ｐゴシック"/>
+        <a:font script="Jpan" typeface="メイリオ"/>
         <a:font script="Hang" typeface="맑은 고딕"/>
         <a:font script="Hans" typeface="宋体"/>
         <a:font script="Hant" typeface="新細明體"/>
@@ -6215,7 +6208,42 @@
         <a:font script="Laoo" typeface="DokChampa"/>
         <a:font script="Sinh" typeface="Iskoola Pota"/>
         <a:font script="Mong" typeface="Mongolian Baiti"/>
-        <a:font script="Viet" typeface="Arial"/>
+        <a:font script="Viet" typeface="Tahoma"/>
+        <a:font script="Uigh" typeface="Microsoft Uighur"/>
+        <a:font script="Geor" typeface="Sylfaen"/>
+      </a:majorFont>
+      <a:minorFont>
+        <a:latin typeface="Calibri" panose="020F0502020204030204"/>
+        <a:ea typeface=""/>
+        <a:cs typeface=""/>
+        <a:font script="Jpan" typeface="メイリオ"/>
+        <a:font script="Hang" typeface="맑은 고딕"/>
+        <a:font script="Hans" typeface="宋体"/>
+        <a:font script="Hant" typeface="新細明體"/>
+        <a:font script="Arab" typeface="Arial"/>
+        <a:font script="Hebr" typeface="Arial"/>
+        <a:font script="Thai" typeface="Cordia New"/>
+        <a:font script="Ethi" typeface="Nyala"/>
+        <a:font script="Beng" typeface="Vrinda"/>
+        <a:font script="Gujr" typeface="Shruti"/>
+        <a:font script="Khmr" typeface="DaunPenh"/>
+        <a:font script="Knda" typeface="Tunga"/>
+        <a:font script="Guru" typeface="Raavi"/>
+        <a:font script="Cans" typeface="Euphemia"/>
+        <a:font script="Cher" typeface="Plantagenet Cherokee"/>
+        <a:font script="Yiii" typeface="Microsoft Yi Baiti"/>
+        <a:font script="Tibt" typeface="Microsoft Himalaya"/>
+        <a:font script="Thaa" typeface="MV Boli"/>
+        <a:font script="Deva" typeface="Mangal"/>
+        <a:font script="Telu" typeface="Gautami"/>
+        <a:font script="Taml" typeface="Latha"/>
+        <a:font script="Syrc" typeface="Estrangelo Edessa"/>
+        <a:font script="Orya" typeface="Kalinga"/>
+        <a:font script="Mlym" typeface="Kartika"/>
+        <a:font script="Laoo" typeface="DokChampa"/>
+        <a:font script="Sinh" typeface="Iskoola Pota"/>
+        <a:font script="Mong" typeface="Mongolian Baiti"/>
+        <a:font script="Viet" typeface="Tahoma"/>
         <a:font script="Uigh" typeface="Microsoft Uighur"/>
         <a:font script="Geor" typeface="Sylfaen"/>
       </a:minorFont>
